--- a/PP_samples/sample.pptx
+++ b/PP_samples/sample.pptx
@@ -885,9 +885,10 @@
         <a:lstStyle/>
         <a:p>
           <a:r>
-            <a:rPr lang="zh-TW" altLang="en-US" dirty="0"/>
-            <a:t>田野調查</a:t>
+            <a:rPr lang="en-US" altLang="en-US" dirty="0"/>
+            <a:t>Field Surveys</a:t>
           </a:r>
+          <a:endParaRPr lang="zh-TW" altLang="en-US" dirty="0"/>
         </a:p>
       </dgm:t>
     </dgm:pt>
@@ -921,9 +922,10 @@
         <a:lstStyle/>
         <a:p>
           <a:r>
-            <a:rPr lang="zh-TW" altLang="en-US" dirty="0"/>
-            <a:t>設計遊戲</a:t>
+            <a:rPr lang="en-US" altLang="zh-TW" dirty="0"/>
+            <a:t>Game design</a:t>
           </a:r>
+          <a:endParaRPr lang="zh-TW" altLang="en-US" dirty="0"/>
         </a:p>
       </dgm:t>
     </dgm:pt>
@@ -957,9 +959,10 @@
         <a:lstStyle/>
         <a:p>
           <a:r>
-            <a:rPr lang="zh-TW" altLang="en-US" dirty="0"/>
-            <a:t>公開發表</a:t>
+            <a:rPr lang="en-US" altLang="zh-TW" dirty="0"/>
+            <a:t>Public presentation</a:t>
           </a:r>
+          <a:endParaRPr lang="zh-TW" altLang="en-US" dirty="0"/>
         </a:p>
       </dgm:t>
     </dgm:pt>
@@ -1116,8 +1119,8 @@
       </dsp:nvSpPr>
       <dsp:spPr>
         <a:xfrm>
-          <a:off x="4500" y="1128011"/>
-          <a:ext cx="2885468" cy="1504014"/>
+          <a:off x="4949" y="1128011"/>
+          <a:ext cx="2974503" cy="1504014"/>
         </a:xfrm>
         <a:prstGeom prst="roundRect">
           <a:avLst/>
@@ -1159,12 +1162,12 @@
         </a:fontRef>
       </dsp:style>
       <dsp:txBody>
-        <a:bodyPr spcFirstLastPara="0" vert="horz" wrap="square" lIns="175260" tIns="175260" rIns="175260" bIns="175260" numCol="1" spcCol="1270" anchor="ctr" anchorCtr="0">
+        <a:bodyPr spcFirstLastPara="0" vert="horz" wrap="square" lIns="144780" tIns="144780" rIns="144780" bIns="144780" numCol="1" spcCol="1270" anchor="ctr" anchorCtr="0">
           <a:noAutofit/>
         </a:bodyPr>
         <a:lstStyle/>
         <a:p>
-          <a:pPr marL="0" lvl="0" indent="0" algn="ctr" defTabSz="2044700">
+          <a:pPr marL="0" lvl="0" indent="0" algn="ctr" defTabSz="1689100">
             <a:lnSpc>
               <a:spcPct val="90000"/>
             </a:lnSpc>
@@ -1177,14 +1180,15 @@
             <a:buNone/>
           </a:pPr>
           <a:r>
-            <a:rPr lang="zh-TW" altLang="en-US" sz="4600" kern="1200" dirty="0"/>
-            <a:t>田野調查</a:t>
+            <a:rPr lang="en-US" altLang="en-US" sz="3800" kern="1200" dirty="0"/>
+            <a:t>Field Surveys</a:t>
           </a:r>
+          <a:endParaRPr lang="zh-TW" altLang="en-US" sz="3800" kern="1200" dirty="0"/>
         </a:p>
       </dsp:txBody>
       <dsp:txXfrm>
-        <a:off x="77920" y="1201431"/>
-        <a:ext cx="2738628" cy="1357174"/>
+        <a:off x="78369" y="1201431"/>
+        <a:ext cx="2827663" cy="1357174"/>
       </dsp:txXfrm>
     </dsp:sp>
     <dsp:sp modelId="{D4FADD3F-1815-4B1D-A333-FC8D0557EE2A}">
@@ -1194,8 +1198,8 @@
       </dsp:nvSpPr>
       <dsp:spPr>
         <a:xfrm>
-          <a:off x="3224515" y="1128011"/>
-          <a:ext cx="2885468" cy="1504014"/>
+          <a:off x="3179998" y="1128011"/>
+          <a:ext cx="2974503" cy="1504014"/>
         </a:xfrm>
         <a:prstGeom prst="roundRect">
           <a:avLst/>
@@ -1237,12 +1241,12 @@
         </a:fontRef>
       </dsp:style>
       <dsp:txBody>
-        <a:bodyPr spcFirstLastPara="0" vert="horz" wrap="square" lIns="175260" tIns="175260" rIns="175260" bIns="175260" numCol="1" spcCol="1270" anchor="ctr" anchorCtr="0">
+        <a:bodyPr spcFirstLastPara="0" vert="horz" wrap="square" lIns="144780" tIns="144780" rIns="144780" bIns="144780" numCol="1" spcCol="1270" anchor="ctr" anchorCtr="0">
           <a:noAutofit/>
         </a:bodyPr>
         <a:lstStyle/>
         <a:p>
-          <a:pPr marL="0" lvl="0" indent="0" algn="ctr" defTabSz="2044700">
+          <a:pPr marL="0" lvl="0" indent="0" algn="ctr" defTabSz="1689100">
             <a:lnSpc>
               <a:spcPct val="90000"/>
             </a:lnSpc>
@@ -1255,14 +1259,15 @@
             <a:buNone/>
           </a:pPr>
           <a:r>
-            <a:rPr lang="zh-TW" altLang="en-US" sz="4600" kern="1200" dirty="0"/>
-            <a:t>設計遊戲</a:t>
+            <a:rPr lang="en-US" altLang="zh-TW" sz="3800" kern="1200" dirty="0"/>
+            <a:t>Game design</a:t>
           </a:r>
+          <a:endParaRPr lang="zh-TW" altLang="en-US" sz="3800" kern="1200" dirty="0"/>
         </a:p>
       </dsp:txBody>
       <dsp:txXfrm>
-        <a:off x="3297935" y="1201431"/>
-        <a:ext cx="2738628" cy="1357174"/>
+        <a:off x="3253418" y="1201431"/>
+        <a:ext cx="2827663" cy="1357174"/>
       </dsp:txXfrm>
     </dsp:sp>
     <dsp:sp modelId="{C123796B-B287-45FD-85FC-8E84D098B0D6}">
@@ -1272,8 +1277,8 @@
       </dsp:nvSpPr>
       <dsp:spPr>
         <a:xfrm>
-          <a:off x="6444531" y="1128011"/>
-          <a:ext cx="2885468" cy="1504014"/>
+          <a:off x="6355047" y="1128011"/>
+          <a:ext cx="2974503" cy="1504014"/>
         </a:xfrm>
         <a:prstGeom prst="roundRect">
           <a:avLst/>
@@ -1315,12 +1320,12 @@
         </a:fontRef>
       </dsp:style>
       <dsp:txBody>
-        <a:bodyPr spcFirstLastPara="0" vert="horz" wrap="square" lIns="175260" tIns="175260" rIns="175260" bIns="175260" numCol="1" spcCol="1270" anchor="ctr" anchorCtr="0">
+        <a:bodyPr spcFirstLastPara="0" vert="horz" wrap="square" lIns="144780" tIns="144780" rIns="144780" bIns="144780" numCol="1" spcCol="1270" anchor="ctr" anchorCtr="0">
           <a:noAutofit/>
         </a:bodyPr>
         <a:lstStyle/>
         <a:p>
-          <a:pPr marL="0" lvl="0" indent="0" algn="ctr" defTabSz="2044700">
+          <a:pPr marL="0" lvl="0" indent="0" algn="ctr" defTabSz="1689100">
             <a:lnSpc>
               <a:spcPct val="90000"/>
             </a:lnSpc>
@@ -1333,14 +1338,15 @@
             <a:buNone/>
           </a:pPr>
           <a:r>
-            <a:rPr lang="zh-TW" altLang="en-US" sz="4600" kern="1200" dirty="0"/>
-            <a:t>公開發表</a:t>
+            <a:rPr lang="en-US" altLang="zh-TW" sz="3800" kern="1200" dirty="0"/>
+            <a:t>Public presentation</a:t>
           </a:r>
+          <a:endParaRPr lang="zh-TW" altLang="en-US" sz="3800" kern="1200" dirty="0"/>
         </a:p>
       </dsp:txBody>
       <dsp:txXfrm>
-        <a:off x="6517951" y="1201431"/>
-        <a:ext cx="2738628" cy="1357174"/>
+        <a:off x="6428467" y="1201431"/>
+        <a:ext cx="2827663" cy="1357174"/>
       </dsp:txXfrm>
     </dsp:sp>
   </dsp:spTree>
@@ -2664,7 +2670,7 @@
           <a:p>
             <a:fld id="{9153790A-DB1F-446B-8CE4-96DC3932C2FE}" type="datetimeFigureOut">
               <a:rPr lang="zh-TW" altLang="en-US" smtClean="0"/>
-              <a:t>2021/12/28</a:t>
+              <a:t>2023/7/18</a:t>
             </a:fld>
             <a:endParaRPr lang="zh-TW" altLang="en-US"/>
           </a:p>
@@ -2832,7 +2838,7 @@
           <a:p>
             <a:fld id="{9153790A-DB1F-446B-8CE4-96DC3932C2FE}" type="datetimeFigureOut">
               <a:rPr lang="zh-TW" altLang="en-US" smtClean="0"/>
-              <a:t>2021/12/28</a:t>
+              <a:t>2023/7/18</a:t>
             </a:fld>
             <a:endParaRPr lang="zh-TW" altLang="en-US"/>
           </a:p>
@@ -3010,7 +3016,7 @@
           <a:p>
             <a:fld id="{9153790A-DB1F-446B-8CE4-96DC3932C2FE}" type="datetimeFigureOut">
               <a:rPr lang="zh-TW" altLang="en-US" smtClean="0"/>
-              <a:t>2021/12/28</a:t>
+              <a:t>2023/7/18</a:t>
             </a:fld>
             <a:endParaRPr lang="zh-TW" altLang="en-US"/>
           </a:p>
@@ -3178,7 +3184,7 @@
           <a:p>
             <a:fld id="{9153790A-DB1F-446B-8CE4-96DC3932C2FE}" type="datetimeFigureOut">
               <a:rPr lang="zh-TW" altLang="en-US" smtClean="0"/>
-              <a:t>2021/12/28</a:t>
+              <a:t>2023/7/18</a:t>
             </a:fld>
             <a:endParaRPr lang="zh-TW" altLang="en-US"/>
           </a:p>
@@ -3423,7 +3429,7 @@
           <a:p>
             <a:fld id="{9153790A-DB1F-446B-8CE4-96DC3932C2FE}" type="datetimeFigureOut">
               <a:rPr lang="zh-TW" altLang="en-US" smtClean="0"/>
-              <a:t>2021/12/28</a:t>
+              <a:t>2023/7/18</a:t>
             </a:fld>
             <a:endParaRPr lang="zh-TW" altLang="en-US"/>
           </a:p>
@@ -3652,7 +3658,7 @@
           <a:p>
             <a:fld id="{9153790A-DB1F-446B-8CE4-96DC3932C2FE}" type="datetimeFigureOut">
               <a:rPr lang="zh-TW" altLang="en-US" smtClean="0"/>
-              <a:t>2021/12/28</a:t>
+              <a:t>2023/7/18</a:t>
             </a:fld>
             <a:endParaRPr lang="zh-TW" altLang="en-US"/>
           </a:p>
@@ -4016,7 +4022,7 @@
           <a:p>
             <a:fld id="{9153790A-DB1F-446B-8CE4-96DC3932C2FE}" type="datetimeFigureOut">
               <a:rPr lang="zh-TW" altLang="en-US" smtClean="0"/>
-              <a:t>2021/12/28</a:t>
+              <a:t>2023/7/18</a:t>
             </a:fld>
             <a:endParaRPr lang="zh-TW" altLang="en-US"/>
           </a:p>
@@ -4133,7 +4139,7 @@
           <a:p>
             <a:fld id="{9153790A-DB1F-446B-8CE4-96DC3932C2FE}" type="datetimeFigureOut">
               <a:rPr lang="zh-TW" altLang="en-US" smtClean="0"/>
-              <a:t>2021/12/28</a:t>
+              <a:t>2023/7/18</a:t>
             </a:fld>
             <a:endParaRPr lang="zh-TW" altLang="en-US"/>
           </a:p>
@@ -4228,7 +4234,7 @@
           <a:p>
             <a:fld id="{9153790A-DB1F-446B-8CE4-96DC3932C2FE}" type="datetimeFigureOut">
               <a:rPr lang="zh-TW" altLang="en-US" smtClean="0"/>
-              <a:t>2021/12/28</a:t>
+              <a:t>2023/7/18</a:t>
             </a:fld>
             <a:endParaRPr lang="zh-TW" altLang="en-US"/>
           </a:p>
@@ -4503,7 +4509,7 @@
           <a:p>
             <a:fld id="{9153790A-DB1F-446B-8CE4-96DC3932C2FE}" type="datetimeFigureOut">
               <a:rPr lang="zh-TW" altLang="en-US" smtClean="0"/>
-              <a:t>2021/12/28</a:t>
+              <a:t>2023/7/18</a:t>
             </a:fld>
             <a:endParaRPr lang="zh-TW" altLang="en-US"/>
           </a:p>
@@ -4755,7 +4761,7 @@
           <a:p>
             <a:fld id="{9153790A-DB1F-446B-8CE4-96DC3932C2FE}" type="datetimeFigureOut">
               <a:rPr lang="zh-TW" altLang="en-US" smtClean="0"/>
-              <a:t>2021/12/28</a:t>
+              <a:t>2023/7/18</a:t>
             </a:fld>
             <a:endParaRPr lang="zh-TW" altLang="en-US"/>
           </a:p>
@@ -4966,7 +4972,7 @@
           <a:p>
             <a:fld id="{9153790A-DB1F-446B-8CE4-96DC3932C2FE}" type="datetimeFigureOut">
               <a:rPr lang="zh-TW" altLang="en-US" smtClean="0"/>
-              <a:t>2021/12/28</a:t>
+              <a:t>2023/7/18</a:t>
             </a:fld>
             <a:endParaRPr lang="zh-TW" altLang="en-US"/>
           </a:p>
@@ -5387,9 +5393,10 @@
           <a:lstStyle/>
           <a:p>
             <a:r>
-              <a:rPr lang="zh-TW" altLang="en-US" dirty="0"/>
-              <a:t>課程設計</a:t>
-            </a:r>
+              <a:rPr lang="en-US" altLang="zh-TW" dirty="0"/>
+              <a:t>Course Design</a:t>
+            </a:r>
+            <a:endParaRPr lang="zh-TW" altLang="en-US" dirty="0"/>
           </a:p>
         </p:txBody>
       </p:sp>
@@ -5408,7 +5415,7 @@
           <a:bodyPr/>
           <a:lstStyle/>
           <a:p>
-            <a:endParaRPr lang="zh-TW" altLang="en-US"/>
+            <a:endParaRPr lang="zh-TW" altLang="en-US" dirty="0"/>
           </a:p>
         </p:txBody>
       </p:sp>
@@ -5464,17 +5471,10 @@
           <a:p>
             <a:pPr fontAlgn="base"/>
             <a:r>
-              <a:rPr lang="zh-TW" altLang="en-US" dirty="0"/>
-              <a:t>台灣</a:t>
-            </a:r>
-            <a:r>
               <a:rPr lang="en-US" altLang="zh-TW" dirty="0"/>
-              <a:t>368</a:t>
-            </a:r>
-            <a:r>
-              <a:rPr lang="zh-TW" altLang="en-US" dirty="0"/>
-              <a:t>議題戰紀營隊</a:t>
-            </a:r>
+              <a:t>Taiwan 368 Issue Warrior Camp</a:t>
+            </a:r>
+            <a:endParaRPr lang="zh-TW" altLang="en-US" dirty="0"/>
           </a:p>
         </p:txBody>
       </p:sp>
@@ -5649,7 +5649,7 @@
           <p:nvPr>
             <p:extLst>
               <p:ext uri="{D42A27DB-BD31-4B8C-83A1-F6EECF244321}">
-                <p14:modId xmlns:p14="http://schemas.microsoft.com/office/powerpoint/2010/main" val="1603167523"/>
+                <p14:modId xmlns:p14="http://schemas.microsoft.com/office/powerpoint/2010/main" val="3703403100"/>
               </p:ext>
             </p:extLst>
           </p:nvPr>
@@ -5816,8 +5816,8 @@
         </p:nvSpPr>
         <p:spPr>
           <a:xfrm>
-            <a:off x="590550" y="1295549"/>
-            <a:ext cx="9220200" cy="369332"/>
+            <a:off x="590550" y="1321675"/>
+            <a:ext cx="9220200" cy="646331"/>
           </a:xfrm>
           <a:prstGeom prst="rect">
             <a:avLst/>
@@ -5830,9 +5830,32 @@
           <a:lstStyle/>
           <a:p>
             <a:r>
-              <a:rPr lang="zh-TW" altLang="en-US" dirty="0"/>
-              <a:t>在校園進行教育研習／演講、舉辦一日體驗課程等，推廣遊戲與玩轉學校的理念</a:t>
-            </a:r>
+              <a:rPr lang="en-US" altLang="zh-TW" dirty="0"/>
+              <a:t>Conducting educational </a:t>
+            </a:r>
+            <a:r>
+              <a:rPr lang="en-US" altLang="zh-TW" b="1" dirty="0"/>
+              <a:t>workshops/talks</a:t>
+            </a:r>
+            <a:r>
+              <a:rPr lang="en-US" altLang="zh-TW" dirty="0"/>
+              <a:t>, organizing </a:t>
+            </a:r>
+            <a:r>
+              <a:rPr lang="en-US" altLang="zh-TW" b="1" dirty="0"/>
+              <a:t>one-day experiential courses</a:t>
+            </a:r>
+            <a:r>
+              <a:rPr lang="en-US" altLang="zh-TW" dirty="0"/>
+              <a:t>, etc. </a:t>
+            </a:r>
+          </a:p>
+          <a:p>
+            <a:r>
+              <a:rPr lang="en-US" altLang="zh-TW" dirty="0"/>
+              <a:t>on campus to promote the concept of games and playfulness in schools</a:t>
+            </a:r>
+            <a:endParaRPr lang="zh-TW" altLang="en-US" dirty="0"/>
           </a:p>
         </p:txBody>
       </p:sp>
@@ -5882,8 +5905,8 @@
           <a:lstStyle/>
           <a:p>
             <a:r>
-              <a:rPr lang="zh-TW" altLang="en-US" b="1" dirty="0"/>
-              <a:t>關於價值，不只有金錢</a:t>
+              <a:rPr lang="en-US" altLang="zh-TW" b="1" dirty="0"/>
+              <a:t>There's more to value than money</a:t>
             </a:r>
             <a:endParaRPr lang="zh-TW" altLang="en-US" dirty="0"/>
           </a:p>
@@ -5911,7 +5934,15 @@
             </a:pPr>
             <a:r>
               <a:rPr lang="zh-TW" altLang="en-US" dirty="0"/>
-              <a:t>「合理價值交換」</a:t>
+              <a:t>「</a:t>
+            </a:r>
+            <a:r>
+              <a:rPr lang="en-US" altLang="zh-TW" dirty="0"/>
+              <a:t>Reasonable Value Exchange</a:t>
+            </a:r>
+            <a:r>
+              <a:rPr lang="zh-TW" altLang="en-US" dirty="0"/>
+              <a:t>」</a:t>
             </a:r>
             <a:endParaRPr lang="en-US" altLang="zh-TW" dirty="0"/>
           </a:p>
@@ -5926,9 +5957,10 @@
               <a:buNone/>
             </a:pPr>
             <a:r>
-              <a:rPr lang="zh-TW" altLang="en-US" dirty="0"/>
-              <a:t>場地和人員住宿              偏鄉學員的名額</a:t>
-            </a:r>
+              <a:rPr lang="en-US" altLang="zh-TW" sz="2000" dirty="0"/>
+              <a:t>Venue and Staff Accommodation 		Places for trainees from remote villages</a:t>
+            </a:r>
+            <a:endParaRPr lang="zh-TW" altLang="en-US" sz="2000" dirty="0"/>
           </a:p>
         </p:txBody>
       </p:sp>
@@ -5940,7 +5972,7 @@
         </p:nvSpPr>
         <p:spPr>
           <a:xfrm>
-            <a:off x="3624349" y="2859578"/>
+            <a:off x="4538749" y="2850869"/>
             <a:ext cx="714895" cy="365760"/>
           </a:xfrm>
           <a:prstGeom prst="leftRightArrow">
@@ -6018,18 +6050,8 @@
           <a:lstStyle/>
           <a:p>
             <a:r>
-              <a:rPr lang="zh-TW" altLang="en-US" dirty="0"/>
-              <a:t>議題式遊戲</a:t>
-            </a:r>
-            <a:r>
-              <a:rPr lang="zh-TW" altLang="en-US" b="0" i="0" dirty="0">
-                <a:solidFill>
-                  <a:srgbClr val="0E2158"/>
-                </a:solidFill>
-                <a:effectLst/>
-                <a:latin typeface="var( --e-global-typography-secondary-font-family )"/>
-              </a:rPr>
-              <a:t>教學法</a:t>
+              <a:rPr lang="en-US" altLang="zh-TW" dirty="0"/>
+              <a:t>Problematic Game Teaching Method</a:t>
             </a:r>
             <a:endParaRPr lang="zh-TW" altLang="en-US" dirty="0"/>
           </a:p>
@@ -6117,9 +6139,10 @@
           <a:lstStyle/>
           <a:p>
             <a:r>
-              <a:rPr lang="zh-TW" altLang="en-US" dirty="0"/>
-              <a:t>如何挑選議題？</a:t>
-            </a:r>
+              <a:rPr lang="en-US" altLang="zh-TW" dirty="0"/>
+              <a:t>How to choose the topic?</a:t>
+            </a:r>
+            <a:endParaRPr lang="zh-TW" altLang="en-US" dirty="0"/>
           </a:p>
         </p:txBody>
       </p:sp>
@@ -6142,9 +6165,10 @@
               <a:buNone/>
             </a:pPr>
             <a:r>
-              <a:rPr lang="zh-TW" altLang="en-US" dirty="0"/>
-              <a:t>林哲宇先生：我在意的、我感興趣的、我喜歡的</a:t>
-            </a:r>
+              <a:rPr lang="en-US" altLang="zh-TW" dirty="0"/>
+              <a:t>Teacher: What I care about, what I am interested in, what I like</a:t>
+            </a:r>
+            <a:endParaRPr lang="zh-TW" altLang="en-US" dirty="0"/>
           </a:p>
         </p:txBody>
       </p:sp>
@@ -6239,16 +6263,30 @@
             <p:ph type="title"/>
           </p:nvPr>
         </p:nvSpPr>
-        <p:spPr/>
-        <p:txBody>
-          <a:bodyPr/>
+        <p:spPr>
+          <a:xfrm>
+            <a:off x="838200" y="365125"/>
+            <a:ext cx="6629151" cy="1325563"/>
+          </a:xfrm>
+        </p:spPr>
+        <p:txBody>
+          <a:bodyPr>
+            <a:normAutofit/>
+          </a:bodyPr>
           <a:lstStyle/>
           <a:p>
             <a:r>
-              <a:rPr lang="zh-TW" altLang="en-US" dirty="0"/>
-              <a:t>議題每年都會不斷翻新</a:t>
-            </a:r>
-            <a:endParaRPr lang="en-US" altLang="zh-TW" dirty="0"/>
+              <a:rPr lang="en-US" altLang="zh-TW" sz="3600" dirty="0"/>
+              <a:t>The topics are constantly renewed </a:t>
+            </a:r>
+            <a:r>
+              <a:rPr lang="en-US" altLang="zh-TW" sz="3600" b="1" dirty="0"/>
+              <a:t>every year</a:t>
+            </a:r>
+            <a:r>
+              <a:rPr lang="en-US" altLang="zh-TW" sz="3600" dirty="0"/>
+              <a:t>.</a:t>
+            </a:r>
           </a:p>
         </p:txBody>
       </p:sp>
@@ -6271,9 +6309,10 @@
               <a:buNone/>
             </a:pPr>
             <a:r>
-              <a:rPr lang="zh-TW" altLang="en-US" dirty="0"/>
-              <a:t>六輕、核四、核武、暖化、綠能</a:t>
-            </a:r>
+              <a:rPr lang="en-US" altLang="zh-TW" dirty="0"/>
+              <a:t>Nuclear weapons, warming, green energy</a:t>
+            </a:r>
+            <a:endParaRPr lang="zh-TW" altLang="en-US" dirty="0"/>
           </a:p>
         </p:txBody>
       </p:sp>
@@ -6446,8 +6485,14 @@
           <a:lstStyle/>
           <a:p>
             <a:r>
-              <a:rPr lang="zh-TW" altLang="en-US" dirty="0"/>
-              <a:t>會不會有靈感缺乏的時候？ </a:t>
+              <a:rPr lang="en-US" altLang="zh-TW" dirty="0"/>
+              <a:t>Are there times when you are not inspired?</a:t>
+            </a:r>
+            <a:r>
+              <a:rPr lang="en-US" altLang="zh-TW" dirty="0">
+                <a:sym typeface="Wingdings" panose="05000000000000000000" pitchFamily="2" charset="2"/>
+              </a:rPr>
+              <a:t> </a:t>
             </a:r>
             <a:endParaRPr lang="en-US" altLang="zh-TW" dirty="0"/>
           </a:p>
@@ -6463,7 +6508,12 @@
             <p:ph idx="1"/>
           </p:nvPr>
         </p:nvSpPr>
-        <p:spPr/>
+        <p:spPr>
+          <a:xfrm>
+            <a:off x="838200" y="1825625"/>
+            <a:ext cx="8169322" cy="4351338"/>
+          </a:xfrm>
+        </p:spPr>
         <p:txBody>
           <a:bodyPr>
             <a:normAutofit/>
@@ -6474,18 +6524,8 @@
               <a:buNone/>
             </a:pPr>
             <a:r>
-              <a:rPr lang="zh-TW" altLang="en-US" dirty="0"/>
-              <a:t>沒興趣</a:t>
-            </a:r>
-            <a:r>
-              <a:rPr lang="zh-TW" altLang="en-US" dirty="0">
-                <a:sym typeface="Wingdings" panose="05000000000000000000" pitchFamily="2" charset="2"/>
-              </a:rPr>
-              <a:t>、</a:t>
-            </a:r>
-            <a:r>
-              <a:rPr lang="zh-TW" altLang="en-US" dirty="0"/>
-              <a:t>不想做</a:t>
+              <a:rPr lang="en-US" altLang="zh-TW" dirty="0"/>
+              <a:t>Not interested, don't want to do </a:t>
             </a:r>
             <a:r>
               <a:rPr lang="en-US" altLang="zh-TW" dirty="0">
@@ -6494,10 +6534,9 @@
               <a:t></a:t>
             </a:r>
             <a:r>
-              <a:rPr lang="zh-TW" altLang="en-US" dirty="0"/>
-              <a:t>沒有靈感</a:t>
-            </a:r>
-            <a:endParaRPr lang="en-US" altLang="zh-TW" dirty="0"/>
+              <a:rPr lang="en-US" altLang="zh-TW" dirty="0"/>
+              <a:t> not inspired</a:t>
+            </a:r>
           </a:p>
           <a:p>
             <a:pPr marL="0" indent="0">
@@ -6510,8 +6549,8 @@
               <a:buNone/>
             </a:pPr>
             <a:r>
-              <a:rPr lang="zh-TW" altLang="en-US" dirty="0"/>
-              <a:t>感興趣</a:t>
+              <a:rPr lang="en-US" altLang="zh-TW" dirty="0"/>
+              <a:t>Interested </a:t>
             </a:r>
             <a:r>
               <a:rPr lang="en-US" altLang="zh-TW" dirty="0">
@@ -6520,8 +6559,8 @@
               <a:t></a:t>
             </a:r>
             <a:r>
-              <a:rPr lang="zh-TW" altLang="en-US" dirty="0"/>
-              <a:t>想要深入探索</a:t>
+              <a:rPr lang="en-US" altLang="zh-TW" dirty="0"/>
+              <a:t> want to explore more </a:t>
             </a:r>
             <a:r>
               <a:rPr lang="en-US" altLang="zh-TW" dirty="0">
@@ -6530,38 +6569,18 @@
               <a:t></a:t>
             </a:r>
             <a:r>
-              <a:rPr lang="zh-TW" altLang="en-US" dirty="0">
-                <a:sym typeface="Wingdings" panose="05000000000000000000" pitchFamily="2" charset="2"/>
-              </a:rPr>
-              <a:t>發現</a:t>
-            </a:r>
-            <a:r>
-              <a:rPr lang="zh-TW" altLang="en-US" dirty="0"/>
-              <a:t>更多東西</a:t>
-            </a:r>
-            <a:endParaRPr lang="en-US" altLang="zh-TW" dirty="0"/>
+              <a:rPr lang="en-US" altLang="zh-TW" dirty="0"/>
+              <a:t> find out more things</a:t>
+            </a:r>
           </a:p>
           <a:p>
             <a:pPr marL="0" indent="0">
               <a:buNone/>
             </a:pPr>
             <a:r>
-              <a:rPr lang="zh-TW" altLang="en-US" dirty="0"/>
-              <a:t>（可以講關於玩轉也是讓學生感興趣接著引起動機）</a:t>
-            </a:r>
-            <a:endParaRPr lang="en-US" altLang="zh-TW" dirty="0"/>
-          </a:p>
-          <a:p>
-            <a:pPr marL="0" indent="0">
-              <a:buNone/>
-            </a:pPr>
-            <a:endParaRPr lang="en-US" altLang="zh-TW" dirty="0"/>
-          </a:p>
-          <a:p>
-            <a:pPr marL="0" indent="0">
-              <a:buNone/>
-            </a:pPr>
-            <a:endParaRPr lang="en-US" altLang="zh-TW" dirty="0"/>
+              <a:rPr lang="en-US" altLang="zh-TW" dirty="0"/>
+              <a:t>(You can talk about playfulness to get students interested and then motivated)</a:t>
+            </a:r>
           </a:p>
         </p:txBody>
       </p:sp>
@@ -6598,7 +6617,7 @@
         </p:blipFill>
         <p:spPr bwMode="auto">
           <a:xfrm>
-            <a:off x="5919446" y="1981114"/>
+            <a:off x="5250706" y="2527025"/>
             <a:ext cx="8671421" cy="4195849"/>
           </a:xfrm>
           <a:prstGeom prst="rect">
@@ -6662,9 +6681,10 @@
           <a:lstStyle/>
           <a:p>
             <a:r>
-              <a:rPr lang="zh-TW" altLang="en-US" dirty="0"/>
-              <a:t>營隊介紹</a:t>
-            </a:r>
+              <a:rPr lang="en-US" altLang="zh-TW" dirty="0"/>
+              <a:t>Camp Introduction</a:t>
+            </a:r>
+            <a:endParaRPr lang="zh-TW" altLang="en-US" dirty="0"/>
           </a:p>
         </p:txBody>
       </p:sp>
@@ -6795,16 +6815,6 @@
               <a:buNone/>
             </a:pPr>
             <a:r>
-              <a:rPr lang="zh-TW" altLang="en-US" b="0" i="0" dirty="0">
-                <a:solidFill>
-                  <a:srgbClr val="444444"/>
-                </a:solidFill>
-                <a:effectLst/>
-                <a:latin typeface="Hoefler Text"/>
-              </a:rPr>
-              <a:t>企業社會責任（</a:t>
-            </a:r>
-            <a:r>
               <a:rPr lang="en-US" altLang="zh-TW" b="0" i="0" dirty="0">
                 <a:solidFill>
                   <a:srgbClr val="444444"/>
@@ -6812,17 +6822,7 @@
                 <a:effectLst/>
                 <a:latin typeface="Hoefler Text"/>
               </a:rPr>
-              <a:t>CSR</a:t>
-            </a:r>
-            <a:r>
-              <a:rPr lang="zh-TW" altLang="en-US" b="0" i="0" dirty="0">
-                <a:solidFill>
-                  <a:srgbClr val="444444"/>
-                </a:solidFill>
-                <a:effectLst/>
-                <a:latin typeface="Hoefler Text"/>
-              </a:rPr>
-              <a:t>）合作計畫</a:t>
+              <a:t>Corporate Social Responsibility (CSR) Cooperation Program</a:t>
             </a:r>
             <a:endParaRPr lang="en-US" altLang="zh-TW" dirty="0">
               <a:solidFill>
@@ -7055,7 +7055,7 @@
         <p:spPr>
           <a:xfrm>
             <a:off x="671946" y="1291943"/>
-            <a:ext cx="1800493" cy="369332"/>
+            <a:ext cx="4350871" cy="369332"/>
           </a:xfrm>
           <a:prstGeom prst="rect">
             <a:avLst/>
@@ -7068,22 +7068,15 @@
           <a:lstStyle/>
           <a:p>
             <a:r>
-              <a:rPr lang="zh-TW" altLang="en-US" b="0" i="0" dirty="0">
+              <a:rPr lang="en-US" altLang="zh-TW" b="0" i="0" dirty="0">
                 <a:solidFill>
                   <a:srgbClr val="444444"/>
                 </a:solidFill>
                 <a:effectLst/>
                 <a:latin typeface="Hoefler Text"/>
               </a:rPr>
-              <a:t>寒暑假遊戲營隊</a:t>
-            </a:r>
-            <a:endParaRPr lang="en-US" altLang="zh-TW" b="0" i="0" dirty="0">
-              <a:solidFill>
-                <a:srgbClr val="444444"/>
-              </a:solidFill>
-              <a:effectLst/>
-              <a:latin typeface="Hoefler Text"/>
-            </a:endParaRPr>
+              <a:t>Summer and Winter Vacation Game Camp</a:t>
+            </a:r>
           </a:p>
         </p:txBody>
       </p:sp>
@@ -7133,8 +7126,8 @@
           <a:lstStyle/>
           <a:p>
             <a:r>
-              <a:rPr lang="zh-TW" altLang="en-US" b="1" dirty="0"/>
-              <a:t>逆轉未來營隊</a:t>
+              <a:rPr lang="en-US" altLang="zh-TW" b="1" dirty="0"/>
+              <a:t>Reverse Future Camp</a:t>
             </a:r>
             <a:endParaRPr lang="zh-TW" altLang="en-US" dirty="0"/>
           </a:p>
@@ -7157,15 +7150,9 @@
           <a:p>
             <a:pPr fontAlgn="base"/>
             <a:r>
-              <a:rPr lang="zh-TW" altLang="en-US" b="1" dirty="0"/>
-              <a:t>大型情境扮演遊戲</a:t>
-            </a:r>
-            <a:endParaRPr lang="en-US" altLang="zh-TW" dirty="0"/>
-          </a:p>
-          <a:p>
-            <a:pPr marL="0" indent="0" fontAlgn="base">
-              <a:buNone/>
-            </a:pPr>
+              <a:rPr lang="en-US" altLang="zh-TW" b="1" dirty="0"/>
+              <a:t>Large-scale situational role-playing game</a:t>
+            </a:r>
             <a:endParaRPr lang="zh-TW" altLang="en-US" b="1" dirty="0"/>
           </a:p>
         </p:txBody>
